--- a/Src/test-res/绘图.pptx
+++ b/Src/test-res/绘图.pptx
@@ -376,7 +376,7 @@
           <a:lstStyle/>
           <a:p>
             <a:pPr>
-              <a:defRPr sz="1400" b="0" i="0" u="none" strike="noStrike" kern="1200" spc="0" baseline="0">
+              <a:defRPr sz="1440" b="1" i="0" u="none" strike="noStrike" kern="1200" spc="0" baseline="0">
                 <a:solidFill>
                   <a:schemeClr val="tx1">
                     <a:lumMod val="65000"/>
@@ -389,23 +389,23 @@
               </a:defRPr>
             </a:pPr>
             <a:r>
-              <a:rPr lang="zh-CN" altLang="en-US"/>
+              <a:rPr lang="zh-CN" b="1"/>
               <a:t>基本</a:t>
             </a:r>
             <a:r>
-              <a:rPr lang="en-US" altLang="zh-CN"/>
+              <a:rPr lang="en-US" b="1"/>
               <a:t>IO</a:t>
             </a:r>
             <a:r>
-              <a:rPr lang="zh-CN" altLang="en-US"/>
+              <a:rPr lang="zh-CN" b="1"/>
               <a:t>对比表 </a:t>
             </a:r>
             <a:r>
-              <a:rPr lang="en-US" altLang="zh-CN"/>
+              <a:rPr lang="en-US" b="1"/>
               <a:t>- 4</a:t>
             </a:r>
             <a:r>
-              <a:rPr lang="zh-CN" altLang="en-US"/>
+              <a:rPr lang="zh-CN" b="1"/>
               <a:t>者</a:t>
             </a:r>
           </a:p>
@@ -424,7 +424,7 @@
         <a:lstStyle/>
         <a:p>
           <a:pPr>
-            <a:defRPr sz="1400" b="0" i="0" u="none" strike="noStrike" kern="1200" spc="0" baseline="0">
+            <a:defRPr sz="1440" b="1" i="0" u="none" strike="noStrike" kern="1200" spc="0" baseline="0">
               <a:solidFill>
                 <a:schemeClr val="tx1">
                   <a:lumMod val="65000"/>
@@ -687,7 +687,7 @@
               <a:lstStyle/>
               <a:p>
                 <a:pPr>
-                  <a:defRPr sz="1000" b="0" i="0" u="none" strike="noStrike" kern="1200" baseline="0">
+                  <a:defRPr sz="1200" b="1" i="0" u="none" strike="noStrike" kern="1200" baseline="0">
                     <a:solidFill>
                       <a:schemeClr val="tx1">
                         <a:lumMod val="65000"/>
@@ -700,7 +700,7 @@
                   </a:defRPr>
                 </a:pPr>
                 <a:r>
-                  <a:rPr lang="zh-CN" altLang="en-US"/>
+                  <a:rPr lang="zh-CN" b="1"/>
                   <a:t>测试类型</a:t>
                 </a:r>
               </a:p>
@@ -719,7 +719,7 @@
             <a:lstStyle/>
             <a:p>
               <a:pPr>
-                <a:defRPr sz="1000" b="0" i="0" u="none" strike="noStrike" kern="1200" baseline="0">
+                <a:defRPr sz="1200" b="1" i="0" u="none" strike="noStrike" kern="1200" baseline="0">
                   <a:solidFill>
                     <a:schemeClr val="tx1">
                       <a:lumMod val="65000"/>
@@ -757,7 +757,7 @@
           <a:lstStyle/>
           <a:p>
             <a:pPr>
-              <a:defRPr sz="900" b="0" i="0" u="none" strike="noStrike" kern="1200" baseline="0">
+              <a:defRPr sz="1200" b="1" i="0" u="none" strike="noStrike" kern="1200" baseline="0">
                 <a:solidFill>
                   <a:schemeClr val="tx1">
                     <a:lumMod val="65000"/>
@@ -807,7 +807,7 @@
               <a:lstStyle/>
               <a:p>
                 <a:pPr>
-                  <a:defRPr sz="1000" b="0" i="0" u="none" strike="noStrike" kern="1200" baseline="0">
+                  <a:defRPr sz="1200" b="1" i="0" u="none" strike="noStrike" kern="1200" baseline="0">
                     <a:solidFill>
                       <a:schemeClr val="tx1">
                         <a:lumMod val="65000"/>
@@ -820,14 +820,14 @@
                   </a:defRPr>
                 </a:pPr>
                 <a:r>
-                  <a:rPr lang="zh-CN" altLang="en-US"/>
+                  <a:rPr lang="zh-CN" b="1"/>
                   <a:t>吞吐率 </a:t>
                 </a:r>
                 <a:r>
-                  <a:rPr lang="en-US" altLang="zh-CN"/>
+                  <a:rPr lang="en-US" b="1"/>
                   <a:t>(KB/s)</a:t>
                 </a:r>
-                <a:endParaRPr lang="zh-CN" altLang="en-US"/>
+                <a:endParaRPr lang="zh-CN" b="1"/>
               </a:p>
             </c:rich>
           </c:tx>
@@ -844,7 +844,7 @@
             <a:lstStyle/>
             <a:p>
               <a:pPr>
-                <a:defRPr sz="1000" b="0" i="0" u="none" strike="noStrike" kern="1200" baseline="0">
+                <a:defRPr sz="1200" b="1" i="0" u="none" strike="noStrike" kern="1200" baseline="0">
                   <a:solidFill>
                     <a:schemeClr val="tx1">
                       <a:lumMod val="65000"/>
@@ -876,7 +876,7 @@
           <a:lstStyle/>
           <a:p>
             <a:pPr>
-              <a:defRPr sz="900" b="0" i="0" u="none" strike="noStrike" kern="1200" baseline="0">
+              <a:defRPr sz="1200" b="1" i="0" u="none" strike="noStrike" kern="1200" baseline="0">
                 <a:solidFill>
                   <a:schemeClr val="tx1">
                     <a:lumMod val="65000"/>
@@ -918,7 +918,7 @@
         <a:lstStyle/>
         <a:p>
           <a:pPr>
-            <a:defRPr sz="900" b="0" i="0" u="none" strike="noStrike" kern="1200" baseline="0">
+            <a:defRPr sz="1200" b="1" i="0" u="none" strike="noStrike" kern="1200" baseline="0">
               <a:solidFill>
                 <a:schemeClr val="tx1">
                   <a:lumMod val="65000"/>
@@ -952,7 +952,7 @@
     <a:lstStyle/>
     <a:p>
       <a:pPr>
-        <a:defRPr/>
+        <a:defRPr sz="1200"/>
       </a:pPr>
       <a:endParaRPr lang="zh-CN"/>
     </a:p>
@@ -2080,7 +2080,7 @@
           <a:lstStyle/>
           <a:p>
             <a:pPr>
-              <a:defRPr sz="1400" b="0" i="0" u="none" strike="noStrike" kern="1200" spc="0" baseline="0">
+              <a:defRPr sz="1600" b="1" i="0" u="none" strike="noStrike" kern="1200" spc="0" baseline="0">
                 <a:solidFill>
                   <a:schemeClr val="tx1">
                     <a:lumMod val="65000"/>
@@ -2093,12 +2093,12 @@
               </a:defRPr>
             </a:pPr>
             <a:r>
-              <a:rPr lang="zh-CN" altLang="zh-CN" sz="1400" b="0" i="0" baseline="0">
+              <a:rPr lang="zh-CN" altLang="zh-CN" sz="1600" b="1" i="0" baseline="0">
                 <a:effectLst/>
               </a:rPr>
               <a:t>读性能对比表</a:t>
             </a:r>
-            <a:endParaRPr lang="zh-CN" altLang="zh-CN" sz="1400">
+            <a:endParaRPr lang="zh-CN" altLang="zh-CN" sz="1600" b="1">
               <a:effectLst/>
             </a:endParaRPr>
           </a:p>
@@ -2117,7 +2117,7 @@
         <a:lstStyle/>
         <a:p>
           <a:pPr>
-            <a:defRPr sz="1400" b="0" i="0" u="none" strike="noStrike" kern="1200" spc="0" baseline="0">
+            <a:defRPr sz="1600" b="1" i="0" u="none" strike="noStrike" kern="1200" spc="0" baseline="0">
               <a:solidFill>
                 <a:schemeClr val="tx1">
                   <a:lumMod val="65000"/>
@@ -2344,7 +2344,7 @@
               <a:lstStyle/>
               <a:p>
                 <a:pPr>
-                  <a:defRPr sz="1000" b="0" i="0" u="none" strike="noStrike" kern="1200" baseline="0">
+                  <a:defRPr sz="1200" b="1" i="0" u="none" strike="noStrike" kern="1200" baseline="0">
                     <a:solidFill>
                       <a:schemeClr val="tx1">
                         <a:lumMod val="65000"/>
@@ -2357,7 +2357,7 @@
                   </a:defRPr>
                 </a:pPr>
                 <a:r>
-                  <a:rPr lang="zh-CN" altLang="en-US"/>
+                  <a:rPr lang="zh-CN" altLang="en-US" sz="1200" b="1"/>
                   <a:t>测试类型</a:t>
                 </a:r>
               </a:p>
@@ -2376,7 +2376,7 @@
             <a:lstStyle/>
             <a:p>
               <a:pPr>
-                <a:defRPr sz="1000" b="0" i="0" u="none" strike="noStrike" kern="1200" baseline="0">
+                <a:defRPr sz="1200" b="1" i="0" u="none" strike="noStrike" kern="1200" baseline="0">
                   <a:solidFill>
                     <a:schemeClr val="tx1">
                       <a:lumMod val="65000"/>
@@ -2414,7 +2414,7 @@
           <a:lstStyle/>
           <a:p>
             <a:pPr>
-              <a:defRPr sz="900" b="0" i="0" u="none" strike="noStrike" kern="1200" baseline="0">
+              <a:defRPr sz="1200" b="1" i="0" u="none" strike="noStrike" kern="1200" baseline="0">
                 <a:solidFill>
                   <a:schemeClr val="tx1">
                     <a:lumMod val="65000"/>
@@ -2464,7 +2464,7 @@
               <a:lstStyle/>
               <a:p>
                 <a:pPr>
-                  <a:defRPr sz="1000" b="0" i="0" u="none" strike="noStrike" kern="1200" baseline="0">
+                  <a:defRPr sz="1200" b="1" i="0" u="none" strike="noStrike" kern="1200" baseline="0">
                     <a:solidFill>
                       <a:schemeClr val="tx1">
                         <a:lumMod val="65000"/>
@@ -2477,14 +2477,14 @@
                   </a:defRPr>
                 </a:pPr>
                 <a:r>
-                  <a:rPr lang="zh-CN" altLang="en-US"/>
+                  <a:rPr lang="zh-CN" altLang="en-US" sz="1200" b="1"/>
                   <a:t>吞吐率 </a:t>
                 </a:r>
                 <a:r>
-                  <a:rPr lang="en-US" altLang="zh-CN"/>
+                  <a:rPr lang="en-US" altLang="zh-CN" sz="1200" b="1"/>
                   <a:t>(KB/s)</a:t>
                 </a:r>
-                <a:endParaRPr lang="zh-CN" altLang="en-US"/>
+                <a:endParaRPr lang="zh-CN" altLang="en-US" sz="1200" b="1"/>
               </a:p>
             </c:rich>
           </c:tx>
@@ -2501,7 +2501,7 @@
             <a:lstStyle/>
             <a:p>
               <a:pPr>
-                <a:defRPr sz="1000" b="0" i="0" u="none" strike="noStrike" kern="1200" baseline="0">
+                <a:defRPr sz="1200" b="1" i="0" u="none" strike="noStrike" kern="1200" baseline="0">
                   <a:solidFill>
                     <a:schemeClr val="tx1">
                       <a:lumMod val="65000"/>
@@ -2533,7 +2533,7 @@
           <a:lstStyle/>
           <a:p>
             <a:pPr>
-              <a:defRPr sz="900" b="0" i="0" u="none" strike="noStrike" kern="1200" baseline="0">
+              <a:defRPr sz="1200" b="1" i="0" u="none" strike="noStrike" kern="1200" baseline="0">
                 <a:solidFill>
                   <a:schemeClr val="tx1">
                     <a:lumMod val="65000"/>
@@ -2575,7 +2575,7 @@
         <a:lstStyle/>
         <a:p>
           <a:pPr>
-            <a:defRPr sz="900" b="0" i="0" u="none" strike="noStrike" kern="1200" baseline="0">
+            <a:defRPr sz="1200" b="1" i="0" u="none" strike="noStrike" kern="1200" baseline="0">
               <a:solidFill>
                 <a:schemeClr val="tx1">
                   <a:lumMod val="65000"/>
@@ -2641,7 +2641,7 @@
           <a:lstStyle/>
           <a:p>
             <a:pPr>
-              <a:defRPr sz="1400" b="0" i="0" u="none" strike="noStrike" kern="1200" spc="0" baseline="0">
+              <a:defRPr sz="1600" b="1" i="0" u="none" strike="noStrike" kern="1200" spc="0" baseline="0">
                 <a:solidFill>
                   <a:schemeClr val="tx1">
                     <a:lumMod val="65000"/>
@@ -2654,7 +2654,7 @@
               </a:defRPr>
             </a:pPr>
             <a:r>
-              <a:rPr lang="zh-CN" altLang="en-US"/>
+              <a:rPr lang="zh-CN" altLang="en-US" sz="1600" b="1"/>
               <a:t>写性能对比表</a:t>
             </a:r>
           </a:p>
@@ -2673,7 +2673,7 @@
         <a:lstStyle/>
         <a:p>
           <a:pPr>
-            <a:defRPr sz="1400" b="0" i="0" u="none" strike="noStrike" kern="1200" spc="0" baseline="0">
+            <a:defRPr sz="1600" b="1" i="0" u="none" strike="noStrike" kern="1200" spc="0" baseline="0">
               <a:solidFill>
                 <a:schemeClr val="tx1">
                   <a:lumMod val="65000"/>
@@ -2900,7 +2900,7 @@
               <a:lstStyle/>
               <a:p>
                 <a:pPr>
-                  <a:defRPr sz="1000" b="0" i="0" u="none" strike="noStrike" kern="1200" baseline="0">
+                  <a:defRPr sz="1200" b="1" i="0" u="none" strike="noStrike" kern="1200" baseline="0">
                     <a:solidFill>
                       <a:schemeClr val="tx1">
                         <a:lumMod val="65000"/>
@@ -2913,7 +2913,7 @@
                   </a:defRPr>
                 </a:pPr>
                 <a:r>
-                  <a:rPr lang="zh-CN" altLang="en-US"/>
+                  <a:rPr lang="zh-CN" altLang="en-US" sz="1200" b="1"/>
                   <a:t>测试类型</a:t>
                 </a:r>
               </a:p>
@@ -2932,7 +2932,7 @@
             <a:lstStyle/>
             <a:p>
               <a:pPr>
-                <a:defRPr sz="1000" b="0" i="0" u="none" strike="noStrike" kern="1200" baseline="0">
+                <a:defRPr sz="1200" b="1" i="0" u="none" strike="noStrike" kern="1200" baseline="0">
                   <a:solidFill>
                     <a:schemeClr val="tx1">
                       <a:lumMod val="65000"/>
@@ -2970,7 +2970,7 @@
           <a:lstStyle/>
           <a:p>
             <a:pPr>
-              <a:defRPr sz="900" b="0" i="0" u="none" strike="noStrike" kern="1200" baseline="0">
+              <a:defRPr sz="1200" b="1" i="0" u="none" strike="noStrike" kern="1200" baseline="0">
                 <a:solidFill>
                   <a:schemeClr val="tx1">
                     <a:lumMod val="65000"/>
@@ -3020,7 +3020,7 @@
               <a:lstStyle/>
               <a:p>
                 <a:pPr>
-                  <a:defRPr sz="1000" b="0" i="0" u="none" strike="noStrike" kern="1200" baseline="0">
+                  <a:defRPr sz="1200" b="1" i="0" u="none" strike="noStrike" kern="1200" baseline="0">
                     <a:solidFill>
                       <a:schemeClr val="tx1">
                         <a:lumMod val="65000"/>
@@ -3033,18 +3033,18 @@
                   </a:defRPr>
                 </a:pPr>
                 <a:r>
-                  <a:rPr lang="zh-CN" altLang="en-US"/>
+                  <a:rPr lang="zh-CN" altLang="en-US" sz="1200" b="1"/>
                   <a:t>吞吐率</a:t>
                 </a:r>
                 <a:r>
-                  <a:rPr lang="zh-CN" altLang="en-US" baseline="0"/>
+                  <a:rPr lang="zh-CN" altLang="en-US" sz="1200" b="1" baseline="0"/>
                   <a:t> </a:t>
                 </a:r>
                 <a:r>
-                  <a:rPr lang="en-US" altLang="zh-CN" baseline="0"/>
+                  <a:rPr lang="en-US" altLang="zh-CN" sz="1200" b="1" baseline="0"/>
                   <a:t>(KB/s)</a:t>
                 </a:r>
-                <a:endParaRPr lang="zh-CN" altLang="en-US"/>
+                <a:endParaRPr lang="zh-CN" altLang="en-US" sz="1200" b="1"/>
               </a:p>
             </c:rich>
           </c:tx>
@@ -3061,7 +3061,7 @@
             <a:lstStyle/>
             <a:p>
               <a:pPr>
-                <a:defRPr sz="1000" b="0" i="0" u="none" strike="noStrike" kern="1200" baseline="0">
+                <a:defRPr sz="1200" b="1" i="0" u="none" strike="noStrike" kern="1200" baseline="0">
                   <a:solidFill>
                     <a:schemeClr val="tx1">
                       <a:lumMod val="65000"/>
@@ -3093,7 +3093,7 @@
           <a:lstStyle/>
           <a:p>
             <a:pPr>
-              <a:defRPr sz="900" b="0" i="0" u="none" strike="noStrike" kern="1200" baseline="0">
+              <a:defRPr sz="1200" b="1" i="0" u="none" strike="noStrike" kern="1200" baseline="0">
                 <a:solidFill>
                   <a:schemeClr val="tx1">
                     <a:lumMod val="65000"/>
@@ -3135,7 +3135,7 @@
         <a:lstStyle/>
         <a:p>
           <a:pPr>
-            <a:defRPr sz="900" b="0" i="0" u="none" strike="noStrike" kern="1200" baseline="0">
+            <a:defRPr sz="1200" b="1" i="0" u="none" strike="noStrike" kern="1200" baseline="0">
               <a:solidFill>
                 <a:schemeClr val="tx1">
                   <a:lumMod val="65000"/>
@@ -3201,7 +3201,7 @@
           <a:lstStyle/>
           <a:p>
             <a:pPr>
-              <a:defRPr sz="1400" b="0" i="0" u="none" strike="noStrike" kern="1200" spc="0" baseline="0">
+              <a:defRPr sz="1600" b="1" i="0" u="none" strike="noStrike" kern="1200" spc="0" baseline="0">
                 <a:solidFill>
                   <a:schemeClr val="tx1">
                     <a:lumMod val="65000"/>
@@ -3214,7 +3214,7 @@
               </a:defRPr>
             </a:pPr>
             <a:r>
-              <a:rPr lang="zh-CN" altLang="en-US"/>
+              <a:rPr lang="zh-CN" altLang="en-US" sz="1600" b="1"/>
               <a:t>小数据写入性能对比表</a:t>
             </a:r>
           </a:p>
@@ -3233,7 +3233,7 @@
         <a:lstStyle/>
         <a:p>
           <a:pPr>
-            <a:defRPr sz="1400" b="0" i="0" u="none" strike="noStrike" kern="1200" spc="0" baseline="0">
+            <a:defRPr sz="1600" b="1" i="0" u="none" strike="noStrike" kern="1200" spc="0" baseline="0">
               <a:solidFill>
                 <a:schemeClr val="tx1">
                   <a:lumMod val="65000"/>
@@ -4307,7 +4307,7 @@
               <a:lstStyle/>
               <a:p>
                 <a:pPr>
-                  <a:defRPr sz="1000" b="0" i="0" u="none" strike="noStrike" kern="1200" baseline="0">
+                  <a:defRPr sz="1200" b="1" i="0" u="none" strike="noStrike" kern="1200" baseline="0">
                     <a:solidFill>
                       <a:schemeClr val="tx1">
                         <a:lumMod val="65000"/>
@@ -4320,22 +4320,22 @@
                   </a:defRPr>
                 </a:pPr>
                 <a:r>
-                  <a:rPr lang="zh-CN" altLang="en-US"/>
+                  <a:rPr lang="zh-CN" altLang="en-US" sz="1200" b="1"/>
                   <a:t>小数据写入次数 </a:t>
                 </a:r>
                 <a:r>
-                  <a:rPr lang="en-US" altLang="zh-CN"/>
+                  <a:rPr lang="en-US" altLang="zh-CN" sz="1200" b="1"/>
                   <a:t>(</a:t>
                 </a:r>
                 <a:r>
-                  <a:rPr lang="en-US" altLang="zh-CN" baseline="0"/>
+                  <a:rPr lang="en-US" altLang="zh-CN" sz="1200" b="1" baseline="0"/>
                   <a:t> x100 </a:t>
                 </a:r>
                 <a:r>
-                  <a:rPr lang="en-US" altLang="zh-CN"/>
+                  <a:rPr lang="en-US" altLang="zh-CN" sz="1200" b="1"/>
                   <a:t>)</a:t>
                 </a:r>
-                <a:endParaRPr lang="zh-CN" altLang="en-US"/>
+                <a:endParaRPr lang="zh-CN" altLang="en-US" sz="1200" b="1"/>
               </a:p>
             </c:rich>
           </c:tx>
@@ -4352,7 +4352,7 @@
             <a:lstStyle/>
             <a:p>
               <a:pPr>
-                <a:defRPr sz="1000" b="0" i="0" u="none" strike="noStrike" kern="1200" baseline="0">
+                <a:defRPr sz="1200" b="1" i="0" u="none" strike="noStrike" kern="1200" baseline="0">
                   <a:solidFill>
                     <a:schemeClr val="tx1">
                       <a:lumMod val="65000"/>
@@ -4389,7 +4389,7 @@
           <a:lstStyle/>
           <a:p>
             <a:pPr>
-              <a:defRPr sz="900" b="0" i="0" u="none" strike="noStrike" kern="1200" baseline="0">
+              <a:defRPr sz="900" b="1" i="0" u="none" strike="noStrike" kern="1200" baseline="0">
                 <a:solidFill>
                   <a:schemeClr val="tx1">
                     <a:lumMod val="65000"/>
@@ -4409,7 +4409,7 @@
         <c:auto val="1"/>
         <c:lblAlgn val="ctr"/>
         <c:lblOffset val="100"/>
-        <c:tickLblSkip val="5"/>
+        <c:tickLblSkip val="10"/>
         <c:noMultiLvlLbl val="0"/>
       </c:catAx>
       <c:valAx>
@@ -4440,7 +4440,7 @@
               <a:lstStyle/>
               <a:p>
                 <a:pPr>
-                  <a:defRPr sz="1000" b="0" i="0" u="none" strike="noStrike" kern="1200" baseline="0">
+                  <a:defRPr sz="1200" b="1" i="0" u="none" strike="noStrike" kern="1200" baseline="0">
                     <a:solidFill>
                       <a:schemeClr val="tx1">
                         <a:lumMod val="65000"/>
@@ -4453,14 +4453,14 @@
                   </a:defRPr>
                 </a:pPr>
                 <a:r>
-                  <a:rPr lang="zh-CN" altLang="en-US"/>
+                  <a:rPr lang="zh-CN" altLang="en-US" sz="1200" b="1"/>
                   <a:t>吞吐率 </a:t>
                 </a:r>
                 <a:r>
-                  <a:rPr lang="en-US" altLang="zh-CN"/>
+                  <a:rPr lang="en-US" altLang="zh-CN" sz="1200" b="1"/>
                   <a:t>(KB/s)</a:t>
                 </a:r>
-                <a:endParaRPr lang="zh-CN" altLang="en-US"/>
+                <a:endParaRPr lang="zh-CN" altLang="en-US" sz="1200" b="1"/>
               </a:p>
             </c:rich>
           </c:tx>
@@ -4477,7 +4477,7 @@
             <a:lstStyle/>
             <a:p>
               <a:pPr>
-                <a:defRPr sz="1000" b="0" i="0" u="none" strike="noStrike" kern="1200" baseline="0">
+                <a:defRPr sz="1200" b="1" i="0" u="none" strike="noStrike" kern="1200" baseline="0">
                   <a:solidFill>
                     <a:schemeClr val="tx1">
                       <a:lumMod val="65000"/>
@@ -4509,7 +4509,7 @@
           <a:lstStyle/>
           <a:p>
             <a:pPr>
-              <a:defRPr sz="900" b="0" i="0" u="none" strike="noStrike" kern="1200" baseline="0">
+              <a:defRPr sz="1200" b="1" i="0" u="none" strike="noStrike" kern="1200" baseline="0">
                 <a:solidFill>
                   <a:schemeClr val="tx1">
                     <a:lumMod val="65000"/>
@@ -4551,7 +4551,7 @@
         <a:lstStyle/>
         <a:p>
           <a:pPr>
-            <a:defRPr sz="900" b="0" i="0" u="none" strike="noStrike" kern="1200" baseline="0">
+            <a:defRPr sz="1200" b="1" i="0" u="none" strike="noStrike" kern="1200" baseline="0">
               <a:solidFill>
                 <a:schemeClr val="tx1">
                   <a:lumMod val="65000"/>
@@ -4931,14 +4931,14 @@
                   </a:defRPr>
                 </a:pPr>
                 <a:r>
-                  <a:rPr lang="zh-CN"/>
+                  <a:rPr lang="zh-CN" dirty="0"/>
                   <a:t>内存开销 </a:t>
                 </a:r>
                 <a:r>
-                  <a:rPr lang="en-US"/>
+                  <a:rPr lang="en-US" dirty="0"/>
                   <a:t>(B)</a:t>
                 </a:r>
-                <a:endParaRPr lang="zh-CN"/>
+                <a:endParaRPr lang="zh-CN" dirty="0"/>
               </a:p>
             </c:rich>
           </c:tx>
@@ -15714,12 +15714,61 @@
           <a:chExt cx="0" cy="0"/>
         </a:xfrm>
       </p:grpSpPr>
+      <p:sp>
+        <p:nvSpPr>
+          <p:cNvPr id="9" name="矩形 8">
+            <a:extLst>
+              <a:ext uri="{FF2B5EF4-FFF2-40B4-BE49-F238E27FC236}">
+                <a16:creationId xmlns:a16="http://schemas.microsoft.com/office/drawing/2014/main" id="{299AC9FB-A93C-4408-A7FB-C45B69DF707E}"/>
+              </a:ext>
+            </a:extLst>
+          </p:cNvPr>
+          <p:cNvSpPr/>
+          <p:nvPr/>
+        </p:nvSpPr>
+        <p:spPr>
+          <a:xfrm>
+            <a:off x="0" y="0"/>
+            <a:ext cx="12192000" cy="6858000"/>
+          </a:xfrm>
+          <a:prstGeom prst="rect">
+            <a:avLst/>
+          </a:prstGeom>
+          <a:ln>
+            <a:solidFill>
+              <a:schemeClr val="bg1"/>
+            </a:solidFill>
+          </a:ln>
+        </p:spPr>
+        <p:style>
+          <a:lnRef idx="2">
+            <a:schemeClr val="dk1"/>
+          </a:lnRef>
+          <a:fillRef idx="1">
+            <a:schemeClr val="lt1"/>
+          </a:fillRef>
+          <a:effectRef idx="0">
+            <a:schemeClr val="dk1"/>
+          </a:effectRef>
+          <a:fontRef idx="minor">
+            <a:schemeClr val="dk1"/>
+          </a:fontRef>
+        </p:style>
+        <p:txBody>
+          <a:bodyPr rtlCol="0" anchor="ctr"/>
+          <a:lstStyle/>
+          <a:p>
+            <a:pPr algn="ctr"/>
+            <a:endParaRPr lang="zh-CN" altLang="en-US"/>
+          </a:p>
+        </p:txBody>
+      </p:sp>
       <p:grpSp>
         <p:nvGrpSpPr>
-          <p:cNvPr id="3" name="组合 2">
+          <p:cNvPr id="15" name="组合 14">
             <a:extLst>
               <a:ext uri="{FF2B5EF4-FFF2-40B4-BE49-F238E27FC236}">
-                <a16:creationId xmlns:a16="http://schemas.microsoft.com/office/drawing/2014/main" id="{39A40FA8-AD5A-4E75-9689-6532228570E6}"/>
+                <a16:creationId xmlns:a16="http://schemas.microsoft.com/office/drawing/2014/main" id="{60DDA89C-79E1-4AFA-ACEF-DDCA4C024707}"/>
               </a:ext>
             </a:extLst>
           </p:cNvPr>
@@ -15728,61 +15777,12 @@
         </p:nvGrpSpPr>
         <p:grpSpPr>
           <a:xfrm>
-            <a:off x="0" y="0"/>
-            <a:ext cx="12192000" cy="6858000"/>
-            <a:chOff x="0" y="0"/>
-            <a:chExt cx="12192000" cy="6858000"/>
+            <a:off x="1066800" y="487263"/>
+            <a:ext cx="10058400" cy="5883473"/>
+            <a:chOff x="1066800" y="487263"/>
+            <a:chExt cx="10058400" cy="5883473"/>
           </a:xfrm>
         </p:grpSpPr>
-        <p:sp>
-          <p:nvSpPr>
-            <p:cNvPr id="9" name="矩形 8">
-              <a:extLst>
-                <a:ext uri="{FF2B5EF4-FFF2-40B4-BE49-F238E27FC236}">
-                  <a16:creationId xmlns:a16="http://schemas.microsoft.com/office/drawing/2014/main" id="{299AC9FB-A93C-4408-A7FB-C45B69DF707E}"/>
-                </a:ext>
-              </a:extLst>
-            </p:cNvPr>
-            <p:cNvSpPr/>
-            <p:nvPr/>
-          </p:nvSpPr>
-          <p:spPr>
-            <a:xfrm>
-              <a:off x="0" y="0"/>
-              <a:ext cx="12192000" cy="6858000"/>
-            </a:xfrm>
-            <a:prstGeom prst="rect">
-              <a:avLst/>
-            </a:prstGeom>
-            <a:ln>
-              <a:solidFill>
-                <a:schemeClr val="bg1"/>
-              </a:solidFill>
-            </a:ln>
-          </p:spPr>
-          <p:style>
-            <a:lnRef idx="2">
-              <a:schemeClr val="dk1"/>
-            </a:lnRef>
-            <a:fillRef idx="1">
-              <a:schemeClr val="lt1"/>
-            </a:fillRef>
-            <a:effectRef idx="0">
-              <a:schemeClr val="dk1"/>
-            </a:effectRef>
-            <a:fontRef idx="minor">
-              <a:schemeClr val="dk1"/>
-            </a:fontRef>
-          </p:style>
-          <p:txBody>
-            <a:bodyPr rtlCol="0" anchor="ctr"/>
-            <a:lstStyle/>
-            <a:p>
-              <a:pPr algn="ctr"/>
-              <a:endParaRPr lang="zh-CN" altLang="en-US"/>
-            </a:p>
-          </p:txBody>
-        </p:sp>
         <p:graphicFrame>
           <p:nvGraphicFramePr>
             <p:cNvPr id="11" name="图表 10">
@@ -15798,7 +15798,7 @@
             <p:nvPr>
               <p:extLst>
                 <p:ext uri="{D42A27DB-BD31-4B8C-83A1-F6EECF244321}">
-                  <p14:modId xmlns:p14="http://schemas.microsoft.com/office/powerpoint/2010/main" val="493533423"/>
+                  <p14:modId xmlns:p14="http://schemas.microsoft.com/office/powerpoint/2010/main" val="2160933578"/>
                 </p:ext>
               </p:extLst>
             </p:nvPr>
@@ -15828,7 +15828,7 @@
             <p:nvPr>
               <p:extLst>
                 <p:ext uri="{D42A27DB-BD31-4B8C-83A1-F6EECF244321}">
-                  <p14:modId xmlns:p14="http://schemas.microsoft.com/office/powerpoint/2010/main" val="2459187937"/>
+                  <p14:modId xmlns:p14="http://schemas.microsoft.com/office/powerpoint/2010/main" val="4221643181"/>
                 </p:ext>
               </p:extLst>
             </p:nvPr>
@@ -15858,7 +15858,7 @@
             <p:nvPr>
               <p:extLst>
                 <p:ext uri="{D42A27DB-BD31-4B8C-83A1-F6EECF244321}">
-                  <p14:modId xmlns:p14="http://schemas.microsoft.com/office/powerpoint/2010/main" val="3787537649"/>
+                  <p14:modId xmlns:p14="http://schemas.microsoft.com/office/powerpoint/2010/main" val="272831904"/>
                 </p:ext>
               </p:extLst>
             </p:nvPr>
@@ -15888,7 +15888,7 @@
             <p:nvPr>
               <p:extLst>
                 <p:ext uri="{D42A27DB-BD31-4B8C-83A1-F6EECF244321}">
-                  <p14:modId xmlns:p14="http://schemas.microsoft.com/office/powerpoint/2010/main" val="1354919674"/>
+                  <p14:modId xmlns:p14="http://schemas.microsoft.com/office/powerpoint/2010/main" val="575385963"/>
                 </p:ext>
               </p:extLst>
             </p:nvPr>
@@ -15903,6 +15903,49 @@
             </a:graphicData>
           </a:graphic>
         </p:graphicFrame>
+        <p:cxnSp>
+          <p:nvCxnSpPr>
+            <p:cNvPr id="5" name="直接连接符 4">
+              <a:extLst>
+                <a:ext uri="{FF2B5EF4-FFF2-40B4-BE49-F238E27FC236}">
+                  <a16:creationId xmlns:a16="http://schemas.microsoft.com/office/drawing/2014/main" id="{7BBC580B-A1E8-4AD1-BA94-CC7E82D3F629}"/>
+                </a:ext>
+              </a:extLst>
+            </p:cNvPr>
+            <p:cNvCxnSpPr>
+              <a:cxnSpLocks/>
+            </p:cNvCxnSpPr>
+            <p:nvPr/>
+          </p:nvCxnSpPr>
+          <p:spPr>
+            <a:xfrm>
+              <a:off x="4831080" y="5394960"/>
+              <a:ext cx="318135" cy="0"/>
+            </a:xfrm>
+            <a:prstGeom prst="line">
+              <a:avLst/>
+            </a:prstGeom>
+            <a:ln>
+              <a:solidFill>
+                <a:srgbClr val="A5A5A5"/>
+              </a:solidFill>
+            </a:ln>
+          </p:spPr>
+          <p:style>
+            <a:lnRef idx="1">
+              <a:schemeClr val="accent1"/>
+            </a:lnRef>
+            <a:fillRef idx="0">
+              <a:schemeClr val="accent1"/>
+            </a:fillRef>
+            <a:effectRef idx="0">
+              <a:schemeClr val="accent1"/>
+            </a:effectRef>
+            <a:fontRef idx="minor">
+              <a:schemeClr val="tx1"/>
+            </a:fontRef>
+          </p:style>
+        </p:cxnSp>
       </p:grpSp>
     </p:spTree>
     <p:extLst>
